--- a/test/pptx/slide_breaks_slide_level_1.pptx
+++ b/test/pptx/slide_breaks_slide_level_1.pptx
@@ -106,6 +106,22 @@
       </a:defRPr>
     </a:lvl9pPr>
   </p:defaultTextStyle>
+  <p:extLst>
+    <p:ext uri="{EFAFB233-063F-42B5-8137-9DF3F51BA10A}">
+      <p15:sldGuideLst xmlns:p15="http://schemas.microsoft.com/office/powerpoint/2012/main">
+        <p15:guide id="1" orient="horz" pos="2160">
+          <p15:clr>
+            <a:srgbClr val="A4A3A4"/>
+          </p15:clr>
+        </p15:guide>
+        <p15:guide id="2" pos="2880">
+          <p15:clr>
+            <a:srgbClr val="A4A3A4"/>
+          </p15:clr>
+        </p15:guide>
+      </p15:sldGuideLst>
+    </p:ext>
+  </p:extLst>
 </p:presentation>
 </file>
 
@@ -290,7 +306,7 @@
           <a:p>
             <a:fld id="{241EB5C9-1307-BA42-ABA2-0BC069CD8E7F}" type="datetimeFigureOut">
               <a:rPr lang="en-US" smtClean="0"/>
-              <a:t>6/5/17</a:t>
+              <a:t>2/17/2018</a:t>
             </a:fld>
             <a:endParaRPr lang="en-US"/>
           </a:p>
@@ -460,7 +476,7 @@
           <a:p>
             <a:fld id="{241EB5C9-1307-BA42-ABA2-0BC069CD8E7F}" type="datetimeFigureOut">
               <a:rPr lang="en-US" smtClean="0"/>
-              <a:t>6/5/17</a:t>
+              <a:t>2/17/2018</a:t>
             </a:fld>
             <a:endParaRPr lang="en-US"/>
           </a:p>
@@ -640,7 +656,7 @@
           <a:p>
             <a:fld id="{241EB5C9-1307-BA42-ABA2-0BC069CD8E7F}" type="datetimeFigureOut">
               <a:rPr lang="en-US" smtClean="0"/>
-              <a:t>6/5/17</a:t>
+              <a:t>2/17/2018</a:t>
             </a:fld>
             <a:endParaRPr lang="en-US"/>
           </a:p>
@@ -810,7 +826,7 @@
           <a:p>
             <a:fld id="{241EB5C9-1307-BA42-ABA2-0BC069CD8E7F}" type="datetimeFigureOut">
               <a:rPr lang="en-US" smtClean="0"/>
-              <a:t>6/5/17</a:t>
+              <a:t>2/17/2018</a:t>
             </a:fld>
             <a:endParaRPr lang="en-US"/>
           </a:p>
@@ -1056,7 +1072,7 @@
           <a:p>
             <a:fld id="{241EB5C9-1307-BA42-ABA2-0BC069CD8E7F}" type="datetimeFigureOut">
               <a:rPr lang="en-US" smtClean="0"/>
-              <a:t>6/5/17</a:t>
+              <a:t>2/17/2018</a:t>
             </a:fld>
             <a:endParaRPr lang="en-US"/>
           </a:p>
@@ -1344,7 +1360,7 @@
           <a:p>
             <a:fld id="{241EB5C9-1307-BA42-ABA2-0BC069CD8E7F}" type="datetimeFigureOut">
               <a:rPr lang="en-US" smtClean="0"/>
-              <a:t>6/5/17</a:t>
+              <a:t>2/17/2018</a:t>
             </a:fld>
             <a:endParaRPr lang="en-US"/>
           </a:p>
@@ -1766,7 +1782,7 @@
           <a:p>
             <a:fld id="{241EB5C9-1307-BA42-ABA2-0BC069CD8E7F}" type="datetimeFigureOut">
               <a:rPr lang="en-US" smtClean="0"/>
-              <a:t>6/5/17</a:t>
+              <a:t>2/17/2018</a:t>
             </a:fld>
             <a:endParaRPr lang="en-US"/>
           </a:p>
@@ -1884,7 +1900,7 @@
           <a:p>
             <a:fld id="{241EB5C9-1307-BA42-ABA2-0BC069CD8E7F}" type="datetimeFigureOut">
               <a:rPr lang="en-US" smtClean="0"/>
-              <a:t>6/5/17</a:t>
+              <a:t>2/17/2018</a:t>
             </a:fld>
             <a:endParaRPr lang="en-US"/>
           </a:p>
@@ -1979,7 +1995,7 @@
           <a:p>
             <a:fld id="{241EB5C9-1307-BA42-ABA2-0BC069CD8E7F}" type="datetimeFigureOut">
               <a:rPr lang="en-US" smtClean="0"/>
-              <a:t>6/5/17</a:t>
+              <a:t>2/17/2018</a:t>
             </a:fld>
             <a:endParaRPr lang="en-US"/>
           </a:p>
@@ -2256,7 +2272,7 @@
           <a:p>
             <a:fld id="{241EB5C9-1307-BA42-ABA2-0BC069CD8E7F}" type="datetimeFigureOut">
               <a:rPr lang="en-US" smtClean="0"/>
-              <a:t>6/5/17</a:t>
+              <a:t>2/17/2018</a:t>
             </a:fld>
             <a:endParaRPr lang="en-US"/>
           </a:p>
@@ -2509,7 +2525,7 @@
           <a:p>
             <a:fld id="{241EB5C9-1307-BA42-ABA2-0BC069CD8E7F}" type="datetimeFigureOut">
               <a:rPr lang="en-US" smtClean="0"/>
-              <a:t>6/5/17</a:t>
+              <a:t>2/17/2018</a:t>
             </a:fld>
             <a:endParaRPr lang="en-US"/>
           </a:p>
@@ -2722,7 +2738,7 @@
           <a:p>
             <a:fld id="{241EB5C9-1307-BA42-ABA2-0BC069CD8E7F}" type="datetimeFigureOut">
               <a:rPr lang="en-US" smtClean="0"/>
-              <a:t>6/5/17</a:t>
+              <a:t>2/17/2018</a:t>
             </a:fld>
             <a:endParaRPr lang="en-US"/>
           </a:p>

--- a/test/pptx/slide_breaks_slide_level_1.pptx
+++ b/test/pptx/slide_breaks_slide_level_1.pptx
@@ -306,7 +306,7 @@
           <a:p>
             <a:fld id="{241EB5C9-1307-BA42-ABA2-0BC069CD8E7F}" type="datetimeFigureOut">
               <a:rPr lang="en-US" smtClean="0"/>
-              <a:t>2/17/2018</a:t>
+              <a:t>4/5/2019</a:t>
             </a:fld>
             <a:endParaRPr lang="en-US"/>
           </a:p>
@@ -476,7 +476,7 @@
           <a:p>
             <a:fld id="{241EB5C9-1307-BA42-ABA2-0BC069CD8E7F}" type="datetimeFigureOut">
               <a:rPr lang="en-US" smtClean="0"/>
-              <a:t>2/17/2018</a:t>
+              <a:t>4/5/2019</a:t>
             </a:fld>
             <a:endParaRPr lang="en-US"/>
           </a:p>
@@ -656,7 +656,7 @@
           <a:p>
             <a:fld id="{241EB5C9-1307-BA42-ABA2-0BC069CD8E7F}" type="datetimeFigureOut">
               <a:rPr lang="en-US" smtClean="0"/>
-              <a:t>2/17/2018</a:t>
+              <a:t>4/5/2019</a:t>
             </a:fld>
             <a:endParaRPr lang="en-US"/>
           </a:p>
@@ -826,7 +826,7 @@
           <a:p>
             <a:fld id="{241EB5C9-1307-BA42-ABA2-0BC069CD8E7F}" type="datetimeFigureOut">
               <a:rPr lang="en-US" smtClean="0"/>
-              <a:t>2/17/2018</a:t>
+              <a:t>4/5/2019</a:t>
             </a:fld>
             <a:endParaRPr lang="en-US"/>
           </a:p>
@@ -1072,7 +1072,7 @@
           <a:p>
             <a:fld id="{241EB5C9-1307-BA42-ABA2-0BC069CD8E7F}" type="datetimeFigureOut">
               <a:rPr lang="en-US" smtClean="0"/>
-              <a:t>2/17/2018</a:t>
+              <a:t>4/5/2019</a:t>
             </a:fld>
             <a:endParaRPr lang="en-US"/>
           </a:p>
@@ -1360,7 +1360,7 @@
           <a:p>
             <a:fld id="{241EB5C9-1307-BA42-ABA2-0BC069CD8E7F}" type="datetimeFigureOut">
               <a:rPr lang="en-US" smtClean="0"/>
-              <a:t>2/17/2018</a:t>
+              <a:t>4/5/2019</a:t>
             </a:fld>
             <a:endParaRPr lang="en-US"/>
           </a:p>
@@ -1782,7 +1782,7 @@
           <a:p>
             <a:fld id="{241EB5C9-1307-BA42-ABA2-0BC069CD8E7F}" type="datetimeFigureOut">
               <a:rPr lang="en-US" smtClean="0"/>
-              <a:t>2/17/2018</a:t>
+              <a:t>4/5/2019</a:t>
             </a:fld>
             <a:endParaRPr lang="en-US"/>
           </a:p>
@@ -1900,7 +1900,7 @@
           <a:p>
             <a:fld id="{241EB5C9-1307-BA42-ABA2-0BC069CD8E7F}" type="datetimeFigureOut">
               <a:rPr lang="en-US" smtClean="0"/>
-              <a:t>2/17/2018</a:t>
+              <a:t>4/5/2019</a:t>
             </a:fld>
             <a:endParaRPr lang="en-US"/>
           </a:p>
@@ -1995,7 +1995,7 @@
           <a:p>
             <a:fld id="{241EB5C9-1307-BA42-ABA2-0BC069CD8E7F}" type="datetimeFigureOut">
               <a:rPr lang="en-US" smtClean="0"/>
-              <a:t>2/17/2018</a:t>
+              <a:t>4/5/2019</a:t>
             </a:fld>
             <a:endParaRPr lang="en-US"/>
           </a:p>
@@ -2272,7 +2272,7 @@
           <a:p>
             <a:fld id="{241EB5C9-1307-BA42-ABA2-0BC069CD8E7F}" type="datetimeFigureOut">
               <a:rPr lang="en-US" smtClean="0"/>
-              <a:t>2/17/2018</a:t>
+              <a:t>4/5/2019</a:t>
             </a:fld>
             <a:endParaRPr lang="en-US"/>
           </a:p>
@@ -2525,7 +2525,7 @@
           <a:p>
             <a:fld id="{241EB5C9-1307-BA42-ABA2-0BC069CD8E7F}" type="datetimeFigureOut">
               <a:rPr lang="en-US" smtClean="0"/>
-              <a:t>2/17/2018</a:t>
+              <a:t>4/5/2019</a:t>
             </a:fld>
             <a:endParaRPr lang="en-US"/>
           </a:p>
@@ -2738,7 +2738,7 @@
           <a:p>
             <a:fld id="{241EB5C9-1307-BA42-ABA2-0BC069CD8E7F}" type="datetimeFigureOut">
               <a:rPr lang="en-US" smtClean="0"/>
-              <a:t>2/17/2018</a:t>
+              <a:t>4/5/2019</a:t>
             </a:fld>
             <a:endParaRPr lang="en-US"/>
           </a:p>

--- a/test/pptx/slide_breaks_slide_level_1.pptx
+++ b/test/pptx/slide_breaks_slide_level_1.pptx
@@ -1,6 +1,6 @@
 
 <file path=ppt/presentation.xml><?xml version="1.0" encoding="utf-8"?>
-<p:presentation xmlns:a="http://schemas.openxmlformats.org/drawingml/2006/main" xmlns:r="http://schemas.openxmlformats.org/officeDocument/2006/relationships" xmlns:p="http://schemas.openxmlformats.org/presentationml/2006/main" saveSubsetFonts="1" autoCompressPictures="0">
+<p:presentation xmlns:a="http://schemas.openxmlformats.org/drawingml/2006/main" xmlns:p="http://schemas.openxmlformats.org/presentationml/2006/main" xmlns:r="http://schemas.openxmlformats.org/officeDocument/2006/relationships" autoCompressPictures="0" saveSubsetFonts="1">
   <p:sldMasterIdLst>
     <p:sldMasterId id="2147483648" r:id="rId1"/>
   </p:sldMasterIdLst>
@@ -15,8 +15,8 @@
     <a:defPPr>
       <a:defRPr lang="en-US"/>
     </a:defPPr>
-    <a:lvl1pPr marL="0" algn="l" defTabSz="457200" rtl="0" eaLnBrk="1" latinLnBrk="0" hangingPunct="1">
-      <a:defRPr sz="1800" kern="1200">
+    <a:lvl1pPr algn="l" defTabSz="457200" eaLnBrk="1" hangingPunct="1" latinLnBrk="0" marL="0" rtl="0">
+      <a:defRPr kern="1200" sz="1800">
         <a:solidFill>
           <a:schemeClr val="tx1"/>
         </a:solidFill>
@@ -25,8 +25,8 @@
         <a:cs typeface="+mn-cs"/>
       </a:defRPr>
     </a:lvl1pPr>
-    <a:lvl2pPr marL="457200" algn="l" defTabSz="457200" rtl="0" eaLnBrk="1" latinLnBrk="0" hangingPunct="1">
-      <a:defRPr sz="1800" kern="1200">
+    <a:lvl2pPr algn="l" defTabSz="457200" eaLnBrk="1" hangingPunct="1" latinLnBrk="0" marL="457200" rtl="0">
+      <a:defRPr kern="1200" sz="1800">
         <a:solidFill>
           <a:schemeClr val="tx1"/>
         </a:solidFill>
@@ -35,8 +35,8 @@
         <a:cs typeface="+mn-cs"/>
       </a:defRPr>
     </a:lvl2pPr>
-    <a:lvl3pPr marL="914400" algn="l" defTabSz="457200" rtl="0" eaLnBrk="1" latinLnBrk="0" hangingPunct="1">
-      <a:defRPr sz="1800" kern="1200">
+    <a:lvl3pPr algn="l" defTabSz="457200" eaLnBrk="1" hangingPunct="1" latinLnBrk="0" marL="914400" rtl="0">
+      <a:defRPr kern="1200" sz="1800">
         <a:solidFill>
           <a:schemeClr val="tx1"/>
         </a:solidFill>
@@ -45,8 +45,8 @@
         <a:cs typeface="+mn-cs"/>
       </a:defRPr>
     </a:lvl3pPr>
-    <a:lvl4pPr marL="1371600" algn="l" defTabSz="457200" rtl="0" eaLnBrk="1" latinLnBrk="0" hangingPunct="1">
-      <a:defRPr sz="1800" kern="1200">
+    <a:lvl4pPr algn="l" defTabSz="457200" eaLnBrk="1" hangingPunct="1" latinLnBrk="0" marL="1371600" rtl="0">
+      <a:defRPr kern="1200" sz="1800">
         <a:solidFill>
           <a:schemeClr val="tx1"/>
         </a:solidFill>
@@ -55,8 +55,8 @@
         <a:cs typeface="+mn-cs"/>
       </a:defRPr>
     </a:lvl4pPr>
-    <a:lvl5pPr marL="1828800" algn="l" defTabSz="457200" rtl="0" eaLnBrk="1" latinLnBrk="0" hangingPunct="1">
-      <a:defRPr sz="1800" kern="1200">
+    <a:lvl5pPr algn="l" defTabSz="457200" eaLnBrk="1" hangingPunct="1" latinLnBrk="0" marL="1828800" rtl="0">
+      <a:defRPr kern="1200" sz="1800">
         <a:solidFill>
           <a:schemeClr val="tx1"/>
         </a:solidFill>
@@ -65,8 +65,8 @@
         <a:cs typeface="+mn-cs"/>
       </a:defRPr>
     </a:lvl5pPr>
-    <a:lvl6pPr marL="2286000" algn="l" defTabSz="457200" rtl="0" eaLnBrk="1" latinLnBrk="0" hangingPunct="1">
-      <a:defRPr sz="1800" kern="1200">
+    <a:lvl6pPr algn="l" defTabSz="457200" eaLnBrk="1" hangingPunct="1" latinLnBrk="0" marL="2286000" rtl="0">
+      <a:defRPr kern="1200" sz="1800">
         <a:solidFill>
           <a:schemeClr val="tx1"/>
         </a:solidFill>
@@ -75,8 +75,8 @@
         <a:cs typeface="+mn-cs"/>
       </a:defRPr>
     </a:lvl6pPr>
-    <a:lvl7pPr marL="2743200" algn="l" defTabSz="457200" rtl="0" eaLnBrk="1" latinLnBrk="0" hangingPunct="1">
-      <a:defRPr sz="1800" kern="1200">
+    <a:lvl7pPr algn="l" defTabSz="457200" eaLnBrk="1" hangingPunct="1" latinLnBrk="0" marL="2743200" rtl="0">
+      <a:defRPr kern="1200" sz="1800">
         <a:solidFill>
           <a:schemeClr val="tx1"/>
         </a:solidFill>
@@ -85,8 +85,8 @@
         <a:cs typeface="+mn-cs"/>
       </a:defRPr>
     </a:lvl7pPr>
-    <a:lvl8pPr marL="3200400" algn="l" defTabSz="457200" rtl="0" eaLnBrk="1" latinLnBrk="0" hangingPunct="1">
-      <a:defRPr sz="1800" kern="1200">
+    <a:lvl8pPr algn="l" defTabSz="457200" eaLnBrk="1" hangingPunct="1" latinLnBrk="0" marL="3200400" rtl="0">
+      <a:defRPr kern="1200" sz="1800">
         <a:solidFill>
           <a:schemeClr val="tx1"/>
         </a:solidFill>
@@ -95,8 +95,8 @@
         <a:cs typeface="+mn-cs"/>
       </a:defRPr>
     </a:lvl8pPr>
-    <a:lvl9pPr marL="3657600" algn="l" defTabSz="457200" rtl="0" eaLnBrk="1" latinLnBrk="0" hangingPunct="1">
-      <a:defRPr sz="1800" kern="1200">
+    <a:lvl9pPr algn="l" defTabSz="457200" eaLnBrk="1" hangingPunct="1" latinLnBrk="0" marL="3657600" rtl="0">
+      <a:defRPr kern="1200" sz="1800">
         <a:solidFill>
           <a:schemeClr val="tx1"/>
         </a:solidFill>
